--- a/docs/diagrams/GameManagerClassDiagram.pptx
+++ b/docs/diagrams/GameManagerClassDiagram.pptx
@@ -3450,8 +3450,8 @@
         </p:nvSpPr>
         <p:spPr>
           <a:xfrm>
-            <a:off x="1066800" y="914400"/>
-            <a:ext cx="7084740" cy="3733800"/>
+            <a:off x="1636098" y="4611190"/>
+            <a:ext cx="6303221" cy="1513215"/>
           </a:xfrm>
           <a:prstGeom prst="roundRect">
             <a:avLst>
@@ -3493,7 +3493,7 @@
                   <a:srgbClr val="0070C0"/>
                 </a:solidFill>
               </a:rPr>
-              <a:t>Logic</a:t>
+              <a:t>Gamification</a:t>
             </a:r>
             <a:endParaRPr lang="en-SG" sz="1200" b="1" dirty="0">
               <a:solidFill>
@@ -3511,7 +3511,7 @@
         </p:nvSpPr>
         <p:spPr>
           <a:xfrm>
-            <a:off x="2095948" y="1253067"/>
+            <a:off x="1958066" y="151956"/>
             <a:ext cx="1093635" cy="346760"/>
           </a:xfrm>
           <a:prstGeom prst="rect">
@@ -3570,7 +3570,7 @@
         </p:nvSpPr>
         <p:spPr>
           <a:xfrm flipH="1">
-            <a:off x="6878274" y="2740152"/>
+            <a:off x="6740392" y="1639041"/>
             <a:ext cx="970326" cy="346760"/>
           </a:xfrm>
           <a:prstGeom prst="rect">
@@ -3626,7 +3626,7 @@
         </p:nvSpPr>
         <p:spPr>
           <a:xfrm>
-            <a:off x="1782495" y="3583530"/>
+            <a:off x="1644613" y="2482419"/>
             <a:ext cx="1093635" cy="346760"/>
           </a:xfrm>
           <a:prstGeom prst="rect">
@@ -3689,7 +3689,7 @@
         </p:nvCxnSpPr>
         <p:spPr>
           <a:xfrm flipH="1" flipV="1">
-            <a:off x="3189583" y="1426447"/>
+            <a:off x="3051701" y="325336"/>
             <a:ext cx="4559332" cy="2895973"/>
           </a:xfrm>
           <a:prstGeom prst="bentConnector3">
@@ -3732,7 +3732,7 @@
         </p:nvCxnSpPr>
         <p:spPr>
           <a:xfrm>
-            <a:off x="1676400" y="1423587"/>
+            <a:off x="1538518" y="322476"/>
             <a:ext cx="419548" cy="2860"/>
           </a:xfrm>
           <a:prstGeom prst="bentConnector3">
@@ -3773,7 +3773,7 @@
         </p:nvSpPr>
         <p:spPr>
           <a:xfrm>
-            <a:off x="1103085" y="4777355"/>
+            <a:off x="965203" y="3676244"/>
             <a:ext cx="7050315" cy="328045"/>
           </a:xfrm>
           <a:prstGeom prst="roundRect">
@@ -3833,7 +3833,7 @@
         </p:nvSpPr>
         <p:spPr>
           <a:xfrm>
-            <a:off x="6976872" y="4149040"/>
+            <a:off x="6838990" y="3047929"/>
             <a:ext cx="772043" cy="346760"/>
           </a:xfrm>
           <a:prstGeom prst="rect">
@@ -3904,7 +3904,7 @@
         </p:nvSpPr>
         <p:spPr>
           <a:xfrm>
-            <a:off x="3255418" y="3554995"/>
+            <a:off x="3117536" y="2453884"/>
             <a:ext cx="1045323" cy="384497"/>
           </a:xfrm>
           <a:prstGeom prst="rect">
@@ -3978,7 +3978,7 @@
         </p:nvCxnSpPr>
         <p:spPr>
           <a:xfrm>
-            <a:off x="7362894" y="4495800"/>
+            <a:off x="7225012" y="3394689"/>
             <a:ext cx="0" cy="281555"/>
           </a:xfrm>
           <a:prstGeom prst="straightConnector1">
@@ -4017,7 +4017,7 @@
         </p:nvSpPr>
         <p:spPr>
           <a:xfrm rot="16200000">
-            <a:off x="398120" y="2150720"/>
+            <a:off x="260238" y="1049609"/>
             <a:ext cx="2209800" cy="346760"/>
           </a:xfrm>
           <a:prstGeom prst="rect">
@@ -4087,7 +4087,7 @@
         </p:nvSpPr>
         <p:spPr>
           <a:xfrm>
-            <a:off x="1359039" y="3429000"/>
+            <a:off x="1221157" y="2327889"/>
             <a:ext cx="270504" cy="175523"/>
           </a:xfrm>
           <a:prstGeom prst="triangle">
@@ -4144,7 +4144,7 @@
         </p:nvCxnSpPr>
         <p:spPr>
           <a:xfrm rot="10800000">
-            <a:off x="1494291" y="3604524"/>
+            <a:off x="1356409" y="2503413"/>
             <a:ext cx="288204" cy="152387"/>
           </a:xfrm>
           <a:prstGeom prst="bentConnector2">
@@ -4185,7 +4185,7 @@
         </p:nvCxnSpPr>
         <p:spPr>
           <a:xfrm>
-            <a:off x="2329313" y="3930290"/>
+            <a:off x="2191431" y="2829179"/>
             <a:ext cx="1376" cy="854841"/>
           </a:xfrm>
           <a:prstGeom prst="straightConnector1">
@@ -4223,7 +4223,7 @@
         </p:nvCxnSpPr>
         <p:spPr>
           <a:xfrm>
-            <a:off x="893311" y="2832505"/>
+            <a:off x="755429" y="1731394"/>
             <a:ext cx="419548" cy="2860"/>
           </a:xfrm>
           <a:prstGeom prst="bentConnector3">
@@ -4269,7 +4269,7 @@
         </p:nvCxnSpPr>
         <p:spPr>
           <a:xfrm>
-            <a:off x="2281833" y="3939492"/>
+            <a:off x="2143951" y="2838381"/>
             <a:ext cx="4695039" cy="382928"/>
           </a:xfrm>
           <a:prstGeom prst="bentConnector3">
@@ -4310,7 +4310,7 @@
         </p:nvGrpSpPr>
         <p:grpSpPr>
           <a:xfrm>
-            <a:off x="4597400" y="4341168"/>
+            <a:off x="4459518" y="3240057"/>
             <a:ext cx="889000" cy="230832"/>
             <a:chOff x="2895600" y="807932"/>
             <a:chExt cx="889000" cy="230832"/>
@@ -4410,7 +4410,7 @@
         </p:nvGrpSpPr>
         <p:grpSpPr>
           <a:xfrm>
-            <a:off x="4665110" y="1219200"/>
+            <a:off x="4527228" y="118089"/>
             <a:ext cx="868568" cy="230832"/>
             <a:chOff x="2755838" y="789460"/>
             <a:chExt cx="868568" cy="230832"/>
@@ -4509,7 +4509,7 @@
         </p:nvSpPr>
         <p:spPr>
           <a:xfrm>
-            <a:off x="3048000" y="3733800"/>
+            <a:off x="2910118" y="2632689"/>
             <a:ext cx="131116" cy="230832"/>
           </a:xfrm>
           <a:prstGeom prst="rect">
@@ -4548,7 +4548,7 @@
         </p:nvCxnSpPr>
         <p:spPr>
           <a:xfrm rot="5400000" flipH="1" flipV="1">
-            <a:off x="1193276" y="2601868"/>
+            <a:off x="1055394" y="1500757"/>
             <a:ext cx="1969553" cy="2764"/>
           </a:xfrm>
           <a:prstGeom prst="bentConnector3">
@@ -4589,7 +4589,7 @@
         </p:nvSpPr>
         <p:spPr>
           <a:xfrm>
-            <a:off x="3174214" y="1862795"/>
+            <a:off x="3036332" y="761684"/>
             <a:ext cx="751107" cy="346760"/>
           </a:xfrm>
           <a:prstGeom prst="rect">
@@ -4669,7 +4669,7 @@
         </p:nvSpPr>
         <p:spPr>
           <a:xfrm>
-            <a:off x="2238496" y="2454481"/>
+            <a:off x="2100614" y="1353370"/>
             <a:ext cx="726243" cy="174580"/>
           </a:xfrm>
           <a:prstGeom prst="rect">
@@ -4734,7 +4734,7 @@
         </p:nvSpPr>
         <p:spPr>
           <a:xfrm>
-            <a:off x="3186326" y="2841725"/>
+            <a:off x="3048444" y="1740614"/>
             <a:ext cx="731636" cy="283820"/>
           </a:xfrm>
           <a:prstGeom prst="rect">
@@ -4799,7 +4799,7 @@
         </p:nvSpPr>
         <p:spPr>
           <a:xfrm>
-            <a:off x="3186326" y="3190882"/>
+            <a:off x="3048444" y="2089771"/>
             <a:ext cx="731636" cy="283820"/>
           </a:xfrm>
           <a:prstGeom prst="rect">
@@ -4868,7 +4868,7 @@
         </p:nvCxnSpPr>
         <p:spPr>
           <a:xfrm rot="10800000">
-            <a:off x="2601618" y="2629061"/>
+            <a:off x="2463736" y="1527950"/>
             <a:ext cx="584708" cy="354574"/>
           </a:xfrm>
           <a:prstGeom prst="bentConnector2">
@@ -4914,7 +4914,7 @@
         </p:nvCxnSpPr>
         <p:spPr>
           <a:xfrm rot="10800000" flipV="1">
-            <a:off x="2601618" y="2036175"/>
+            <a:off x="2463736" y="935064"/>
             <a:ext cx="572596" cy="418306"/>
           </a:xfrm>
           <a:prstGeom prst="bentConnector2">
@@ -4956,7 +4956,7 @@
         </p:nvGrpSpPr>
         <p:grpSpPr>
           <a:xfrm rot="10800000">
-            <a:off x="4687086" y="3784757"/>
+            <a:off x="4549204" y="2683646"/>
             <a:ext cx="555486" cy="254462"/>
             <a:chOff x="3703306" y="644022"/>
             <a:chExt cx="555486" cy="230832"/>
@@ -5061,7 +5061,7 @@
         </p:nvSpPr>
         <p:spPr>
           <a:xfrm flipV="1">
-            <a:off x="7227643" y="3980475"/>
+            <a:off x="7089761" y="2879364"/>
             <a:ext cx="270504" cy="175523"/>
           </a:xfrm>
           <a:prstGeom prst="triangle">
@@ -5118,7 +5118,7 @@
         </p:nvCxnSpPr>
         <p:spPr>
           <a:xfrm rot="5400000" flipH="1" flipV="1">
-            <a:off x="6916385" y="3533423"/>
+            <a:off x="6778503" y="2432312"/>
             <a:ext cx="893563" cy="542"/>
           </a:xfrm>
           <a:prstGeom prst="bentConnector3">
@@ -5158,7 +5158,7 @@
         </p:nvCxnSpPr>
         <p:spPr>
           <a:xfrm flipV="1">
-            <a:off x="6066328" y="2913532"/>
+            <a:off x="5928446" y="1812421"/>
             <a:ext cx="811946" cy="659"/>
           </a:xfrm>
           <a:prstGeom prst="bentConnector3">
@@ -5201,7 +5201,7 @@
         </p:nvSpPr>
         <p:spPr>
           <a:xfrm>
-            <a:off x="3174214" y="2370131"/>
+            <a:off x="3036332" y="1269020"/>
             <a:ext cx="750156" cy="340758"/>
           </a:xfrm>
           <a:prstGeom prst="rect">
@@ -5280,7 +5280,7 @@
         </p:nvCxnSpPr>
         <p:spPr>
           <a:xfrm rot="10800000" flipV="1">
-            <a:off x="2964740" y="2540509"/>
+            <a:off x="2826858" y="1439398"/>
             <a:ext cx="209475" cy="1261"/>
           </a:xfrm>
           <a:prstGeom prst="bentConnector3">
@@ -5328,7 +5328,7 @@
         </p:nvCxnSpPr>
         <p:spPr>
           <a:xfrm rot="5400000">
-            <a:off x="3469242" y="2289605"/>
+            <a:off x="3331360" y="1188494"/>
             <a:ext cx="160576" cy="476"/>
           </a:xfrm>
           <a:prstGeom prst="bentConnector3">
@@ -5372,7 +5372,7 @@
         </p:nvSpPr>
         <p:spPr>
           <a:xfrm>
-            <a:off x="1295065" y="4183424"/>
+            <a:off x="1157183" y="3082313"/>
             <a:ext cx="805984" cy="346760"/>
           </a:xfrm>
           <a:prstGeom prst="rect">
@@ -5442,7 +5442,7 @@
         </p:nvCxnSpPr>
         <p:spPr>
           <a:xfrm>
-            <a:off x="1971157" y="3939492"/>
+            <a:off x="1833275" y="2838381"/>
             <a:ext cx="2022" cy="240622"/>
           </a:xfrm>
           <a:prstGeom prst="straightConnector1">
@@ -5480,7 +5480,7 @@
         </p:nvSpPr>
         <p:spPr>
           <a:xfrm>
-            <a:off x="1773980" y="4000395"/>
+            <a:off x="1636098" y="2899284"/>
             <a:ext cx="131116" cy="230832"/>
           </a:xfrm>
           <a:prstGeom prst="rect">
@@ -5525,7 +5525,7 @@
         </p:nvSpPr>
         <p:spPr>
           <a:xfrm flipH="1">
-            <a:off x="5067626" y="1981200"/>
+            <a:off x="4929744" y="880089"/>
             <a:ext cx="998702" cy="346760"/>
           </a:xfrm>
           <a:prstGeom prst="rect">
@@ -5591,7 +5591,7 @@
         </p:nvSpPr>
         <p:spPr>
           <a:xfrm flipH="1">
-            <a:off x="5431725" y="2327960"/>
+            <a:off x="5293843" y="1226849"/>
             <a:ext cx="270504" cy="175523"/>
           </a:xfrm>
           <a:prstGeom prst="triangle">
@@ -5636,7 +5636,7 @@
         </p:nvGrpSpPr>
         <p:grpSpPr>
           <a:xfrm rot="5400000">
-            <a:off x="6371505" y="2788428"/>
+            <a:off x="6233623" y="1687317"/>
             <a:ext cx="222304" cy="598286"/>
             <a:chOff x="3965759" y="592436"/>
             <a:chExt cx="254462" cy="503902"/>
@@ -5741,7 +5741,7 @@
         </p:nvCxnSpPr>
         <p:spPr>
           <a:xfrm>
-            <a:off x="2893971" y="3687139"/>
+            <a:off x="2756089" y="2586028"/>
             <a:ext cx="361447" cy="0"/>
           </a:xfrm>
           <a:prstGeom prst="line">
@@ -5780,7 +5780,7 @@
         </p:nvSpPr>
         <p:spPr>
           <a:xfrm flipH="1">
-            <a:off x="5074342" y="2740811"/>
+            <a:off x="4936460" y="1639700"/>
             <a:ext cx="991986" cy="346760"/>
           </a:xfrm>
           <a:prstGeom prst="rect">
@@ -5856,7 +5856,7 @@
         </p:nvCxnSpPr>
         <p:spPr>
           <a:xfrm rot="10800000">
-            <a:off x="3917734" y="2058661"/>
+            <a:off x="3779852" y="957550"/>
             <a:ext cx="1156608" cy="855530"/>
           </a:xfrm>
           <a:prstGeom prst="bentConnector3">
@@ -5903,7 +5903,7 @@
         </p:nvCxnSpPr>
         <p:spPr>
           <a:xfrm rot="10800000">
-            <a:off x="3921964" y="2540511"/>
+            <a:off x="3784082" y="1439400"/>
             <a:ext cx="1152379" cy="373681"/>
           </a:xfrm>
           <a:prstGeom prst="bentConnector3">
@@ -5950,7 +5950,7 @@
         </p:nvCxnSpPr>
         <p:spPr>
           <a:xfrm rot="10800000" flipV="1">
-            <a:off x="3926192" y="2914191"/>
+            <a:off x="3788310" y="1813080"/>
             <a:ext cx="1148150" cy="108168"/>
           </a:xfrm>
           <a:prstGeom prst="bentConnector3">
@@ -5997,7 +5997,7 @@
         </p:nvCxnSpPr>
         <p:spPr>
           <a:xfrm rot="10800000" flipV="1">
-            <a:off x="3930422" y="2914191"/>
+            <a:off x="3792540" y="1813080"/>
             <a:ext cx="1143921" cy="439870"/>
           </a:xfrm>
           <a:prstGeom prst="bentConnector3">
@@ -6044,7 +6044,7 @@
         </p:nvCxnSpPr>
         <p:spPr>
           <a:xfrm flipV="1">
-            <a:off x="4300741" y="3087571"/>
+            <a:off x="4162859" y="1986460"/>
             <a:ext cx="1269594" cy="659673"/>
           </a:xfrm>
           <a:prstGeom prst="bentConnector2">
@@ -6087,7 +6087,7 @@
         </p:nvCxnSpPr>
         <p:spPr>
           <a:xfrm rot="16200000" flipH="1">
-            <a:off x="5451193" y="2621669"/>
+            <a:off x="5313311" y="1520558"/>
             <a:ext cx="234926" cy="3358"/>
           </a:xfrm>
           <a:prstGeom prst="bentConnector3">
@@ -6125,7 +6125,7 @@
         </p:nvSpPr>
         <p:spPr>
           <a:xfrm>
-            <a:off x="6263130" y="1981200"/>
+            <a:off x="6125248" y="880089"/>
             <a:ext cx="1276614" cy="630473"/>
           </a:xfrm>
           <a:prstGeom prst="foldedCorner">
@@ -6228,7 +6228,7 @@
         </p:nvSpPr>
         <p:spPr>
           <a:xfrm>
-            <a:off x="4883677" y="5943600"/>
+            <a:off x="4939971" y="5215283"/>
             <a:ext cx="885057" cy="346760"/>
           </a:xfrm>
           <a:prstGeom prst="rect">
@@ -6305,7 +6305,7 @@
         </p:nvSpPr>
         <p:spPr>
           <a:xfrm flipH="1">
-            <a:off x="6596992" y="5492683"/>
+            <a:off x="6653286" y="4764366"/>
             <a:ext cx="1175407" cy="250147"/>
           </a:xfrm>
           <a:prstGeom prst="rect">
@@ -6367,7 +6367,7 @@
         </p:nvSpPr>
         <p:spPr>
           <a:xfrm rot="5400000" flipV="1">
-            <a:off x="5721244" y="5991091"/>
+            <a:off x="5777538" y="5262774"/>
             <a:ext cx="270504" cy="175523"/>
           </a:xfrm>
           <a:prstGeom prst="triangle">
@@ -6429,7 +6429,7 @@
         </p:nvCxnSpPr>
         <p:spPr>
           <a:xfrm flipV="1">
-            <a:off x="5918858" y="6078538"/>
+            <a:off x="5975152" y="5350221"/>
             <a:ext cx="343830" cy="314"/>
           </a:xfrm>
           <a:prstGeom prst="bentConnector3">
@@ -6473,7 +6473,7 @@
         </p:nvCxnSpPr>
         <p:spPr>
           <a:xfrm rot="5400000" flipH="1" flipV="1">
-            <a:off x="5790250" y="6077743"/>
+            <a:off x="5846544" y="5349426"/>
             <a:ext cx="943289" cy="1588"/>
           </a:xfrm>
           <a:prstGeom prst="bentConnector3">
@@ -6517,7 +6517,7 @@
         </p:nvCxnSpPr>
         <p:spPr>
           <a:xfrm flipV="1">
-            <a:off x="6253163" y="5614674"/>
+            <a:off x="6309457" y="4886357"/>
             <a:ext cx="343830" cy="314"/>
           </a:xfrm>
           <a:prstGeom prst="bentConnector3">
@@ -6561,7 +6561,7 @@
         </p:nvCxnSpPr>
         <p:spPr>
           <a:xfrm flipV="1">
-            <a:off x="6261100" y="5922438"/>
+            <a:off x="6317394" y="5194121"/>
             <a:ext cx="343830" cy="314"/>
           </a:xfrm>
           <a:prstGeom prst="bentConnector3">
@@ -6603,7 +6603,7 @@
         </p:nvSpPr>
         <p:spPr>
           <a:xfrm flipH="1">
-            <a:off x="6604929" y="5807204"/>
+            <a:off x="6661223" y="5078887"/>
             <a:ext cx="1175407" cy="250147"/>
           </a:xfrm>
           <a:prstGeom prst="rect">
@@ -6667,7 +6667,7 @@
         </p:nvCxnSpPr>
         <p:spPr>
           <a:xfrm flipV="1">
-            <a:off x="6261100" y="6233701"/>
+            <a:off x="6317394" y="5505384"/>
             <a:ext cx="343830" cy="314"/>
           </a:xfrm>
           <a:prstGeom prst="bentConnector3">
@@ -6709,7 +6709,7 @@
         </p:nvSpPr>
         <p:spPr>
           <a:xfrm flipH="1">
-            <a:off x="6604929" y="6118467"/>
+            <a:off x="6661223" y="5390150"/>
             <a:ext cx="1175407" cy="250147"/>
           </a:xfrm>
           <a:prstGeom prst="rect">
@@ -6773,7 +6773,7 @@
         </p:nvCxnSpPr>
         <p:spPr>
           <a:xfrm flipV="1">
-            <a:off x="6253163" y="6541465"/>
+            <a:off x="6309457" y="5813148"/>
             <a:ext cx="343830" cy="314"/>
           </a:xfrm>
           <a:prstGeom prst="bentConnector3">
@@ -6815,7 +6815,7 @@
         </p:nvSpPr>
         <p:spPr>
           <a:xfrm flipH="1">
-            <a:off x="6596992" y="6426231"/>
+            <a:off x="6653286" y="5697914"/>
             <a:ext cx="1175407" cy="250147"/>
           </a:xfrm>
           <a:prstGeom prst="rect">
@@ -6877,8 +6877,8 @@
         </p:nvSpPr>
         <p:spPr>
           <a:xfrm>
-            <a:off x="3002474" y="5944705"/>
-            <a:ext cx="1093635" cy="346760"/>
+            <a:off x="2451167" y="5215283"/>
+            <a:ext cx="1093635" cy="343877"/>
           </a:xfrm>
           <a:prstGeom prst="rect">
             <a:avLst/>
@@ -6945,9 +6945,9 @@
           <p:nvPr/>
         </p:nvCxnSpPr>
         <p:spPr>
-          <a:xfrm flipV="1">
-            <a:off x="4096109" y="6116980"/>
-            <a:ext cx="787568" cy="1105"/>
+          <a:xfrm>
+            <a:off x="3544802" y="5387222"/>
+            <a:ext cx="1395169" cy="1441"/>
           </a:xfrm>
           <a:prstGeom prst="bentConnector3">
             <a:avLst>
@@ -6979,6 +6979,315 @@
           </a:fontRef>
         </p:style>
       </p:cxnSp>
+      <p:grpSp>
+        <p:nvGrpSpPr>
+          <p:cNvPr id="84" name="Group 83">
+            <a:extLst>
+              <a:ext uri="{FF2B5EF4-FFF2-40B4-BE49-F238E27FC236}">
+                <a16:creationId xmlns:a16="http://schemas.microsoft.com/office/drawing/2014/main" id="{324EF341-AC19-41D2-9041-1A69B33119CE}"/>
+              </a:ext>
+            </a:extLst>
+          </p:cNvPr>
+          <p:cNvGrpSpPr/>
+          <p:nvPr/>
+        </p:nvGrpSpPr>
+        <p:grpSpPr>
+          <a:xfrm>
+            <a:off x="3663196" y="5158124"/>
+            <a:ext cx="998033" cy="230832"/>
+            <a:chOff x="2889114" y="784146"/>
+            <a:chExt cx="998033" cy="230832"/>
+          </a:xfrm>
+        </p:grpSpPr>
+        <p:sp>
+          <p:nvSpPr>
+            <p:cNvPr id="90" name="TextBox 89">
+              <a:extLst>
+                <a:ext uri="{FF2B5EF4-FFF2-40B4-BE49-F238E27FC236}">
+                  <a16:creationId xmlns:a16="http://schemas.microsoft.com/office/drawing/2014/main" id="{B3D9C1DC-6F28-4704-8E1A-CCCA285CE1C8}"/>
+                </a:ext>
+              </a:extLst>
+            </p:cNvPr>
+            <p:cNvSpPr txBox="1"/>
+            <p:nvPr/>
+          </p:nvSpPr>
+          <p:spPr>
+            <a:xfrm>
+              <a:off x="2889114" y="784146"/>
+              <a:ext cx="869533" cy="230832"/>
+            </a:xfrm>
+            <a:prstGeom prst="rect">
+              <a:avLst/>
+            </a:prstGeom>
+            <a:noFill/>
+          </p:spPr>
+          <p:txBody>
+            <a:bodyPr wrap="square" lIns="0" tIns="0" rIns="0" bIns="0" rtlCol="0">
+              <a:noAutofit/>
+            </a:bodyPr>
+            <a:lstStyle/>
+            <a:p>
+              <a:pPr algn="r"/>
+              <a:r>
+                <a:rPr lang="en-US" sz="1100" dirty="0">
+                  <a:solidFill>
+                    <a:srgbClr val="0070C0"/>
+                  </a:solidFill>
+                </a:rPr>
+                <a:t>requests </a:t>
+              </a:r>
+              <a:r>
+                <a:rPr lang="en-US" sz="1100" dirty="0" err="1">
+                  <a:solidFill>
+                    <a:srgbClr val="0070C0"/>
+                  </a:solidFill>
+                </a:rPr>
+                <a:t>xp</a:t>
+              </a:r>
+              <a:endParaRPr lang="en-SG" sz="1100" dirty="0">
+                <a:solidFill>
+                  <a:srgbClr val="0070C0"/>
+                </a:solidFill>
+              </a:endParaRPr>
+            </a:p>
+          </p:txBody>
+        </p:sp>
+        <p:sp>
+          <p:nvSpPr>
+            <p:cNvPr id="93" name="Isosceles Triangle 92">
+              <a:extLst>
+                <a:ext uri="{FF2B5EF4-FFF2-40B4-BE49-F238E27FC236}">
+                  <a16:creationId xmlns:a16="http://schemas.microsoft.com/office/drawing/2014/main" id="{B09923DD-CFA9-4087-BE84-A3E0649AB1A0}"/>
+                </a:ext>
+              </a:extLst>
+            </p:cNvPr>
+            <p:cNvSpPr/>
+            <p:nvPr/>
+          </p:nvSpPr>
+          <p:spPr>
+            <a:xfrm rot="5400000">
+              <a:off x="3786071" y="845018"/>
+              <a:ext cx="125951" cy="76201"/>
+            </a:xfrm>
+            <a:prstGeom prst="triangle">
+              <a:avLst/>
+            </a:prstGeom>
+            <a:solidFill>
+              <a:srgbClr val="0070C0"/>
+            </a:solidFill>
+            <a:ln>
+              <a:noFill/>
+            </a:ln>
+          </p:spPr>
+          <p:style>
+            <a:lnRef idx="2">
+              <a:schemeClr val="accent1">
+                <a:shade val="50000"/>
+              </a:schemeClr>
+            </a:lnRef>
+            <a:fillRef idx="1">
+              <a:schemeClr val="accent1"/>
+            </a:fillRef>
+            <a:effectRef idx="0">
+              <a:schemeClr val="accent1"/>
+            </a:effectRef>
+            <a:fontRef idx="minor">
+              <a:schemeClr val="lt1"/>
+            </a:fontRef>
+          </p:style>
+          <p:txBody>
+            <a:bodyPr rtlCol="0" anchor="ctr"/>
+            <a:lstStyle/>
+            <a:p>
+              <a:pPr algn="ctr"/>
+              <a:endParaRPr lang="en-SG"/>
+            </a:p>
+          </p:txBody>
+        </p:sp>
+      </p:grpSp>
+      <p:cxnSp>
+        <p:nvCxnSpPr>
+          <p:cNvPr id="94" name="Elbow Connector 122">
+            <a:extLst>
+              <a:ext uri="{FF2B5EF4-FFF2-40B4-BE49-F238E27FC236}">
+                <a16:creationId xmlns:a16="http://schemas.microsoft.com/office/drawing/2014/main" id="{D0B5F114-073F-45E3-B5E3-F87163D04EA2}"/>
+              </a:ext>
+            </a:extLst>
+          </p:cNvPr>
+          <p:cNvCxnSpPr>
+            <a:cxnSpLocks/>
+          </p:cNvCxnSpPr>
+          <p:nvPr/>
+        </p:nvCxnSpPr>
+        <p:spPr>
+          <a:xfrm>
+            <a:off x="1036811" y="5381089"/>
+            <a:ext cx="1395169" cy="1441"/>
+          </a:xfrm>
+          <a:prstGeom prst="bentConnector3">
+            <a:avLst>
+              <a:gd name="adj1" fmla="val 50000"/>
+            </a:avLst>
+          </a:prstGeom>
+          <a:ln w="19050">
+            <a:solidFill>
+              <a:srgbClr val="0070C0"/>
+            </a:solidFill>
+            <a:prstDash val="sysDot"/>
+            <a:headEnd type="none" w="med" len="med"/>
+            <a:tailEnd type="arrow" w="med" len="med"/>
+          </a:ln>
+          <a:effectLst/>
+        </p:spPr>
+        <p:style>
+          <a:lnRef idx="1">
+            <a:schemeClr val="accent2"/>
+          </a:lnRef>
+          <a:fillRef idx="2">
+            <a:schemeClr val="accent2"/>
+          </a:fillRef>
+          <a:effectRef idx="1">
+            <a:schemeClr val="accent2"/>
+          </a:effectRef>
+          <a:fontRef idx="minor">
+            <a:schemeClr val="dk1"/>
+          </a:fontRef>
+        </p:style>
+      </p:cxnSp>
+      <p:grpSp>
+        <p:nvGrpSpPr>
+          <p:cNvPr id="98" name="Group 97">
+            <a:extLst>
+              <a:ext uri="{FF2B5EF4-FFF2-40B4-BE49-F238E27FC236}">
+                <a16:creationId xmlns:a16="http://schemas.microsoft.com/office/drawing/2014/main" id="{78C95B19-DAE0-4D2B-9F3C-007C9E1F17AA}"/>
+              </a:ext>
+            </a:extLst>
+          </p:cNvPr>
+          <p:cNvGrpSpPr/>
+          <p:nvPr/>
+        </p:nvGrpSpPr>
+        <p:grpSpPr>
+          <a:xfrm>
+            <a:off x="1148307" y="5158124"/>
+            <a:ext cx="1004931" cy="230832"/>
+            <a:chOff x="2882216" y="790279"/>
+            <a:chExt cx="1004931" cy="230832"/>
+          </a:xfrm>
+        </p:grpSpPr>
+        <p:sp>
+          <p:nvSpPr>
+            <p:cNvPr id="99" name="TextBox 98">
+              <a:extLst>
+                <a:ext uri="{FF2B5EF4-FFF2-40B4-BE49-F238E27FC236}">
+                  <a16:creationId xmlns:a16="http://schemas.microsoft.com/office/drawing/2014/main" id="{56DB642A-C3BF-4161-B598-A4C8033F302D}"/>
+                </a:ext>
+              </a:extLst>
+            </p:cNvPr>
+            <p:cNvSpPr txBox="1"/>
+            <p:nvPr/>
+          </p:nvSpPr>
+          <p:spPr>
+            <a:xfrm>
+              <a:off x="2882216" y="790279"/>
+              <a:ext cx="869533" cy="230832"/>
+            </a:xfrm>
+            <a:prstGeom prst="rect">
+              <a:avLst/>
+            </a:prstGeom>
+            <a:noFill/>
+          </p:spPr>
+          <p:txBody>
+            <a:bodyPr wrap="square" lIns="0" tIns="0" rIns="0" bIns="0" rtlCol="0">
+              <a:noAutofit/>
+            </a:bodyPr>
+            <a:lstStyle/>
+            <a:p>
+              <a:pPr algn="r"/>
+              <a:r>
+                <a:rPr lang="en-US" sz="1100" dirty="0">
+                  <a:solidFill>
+                    <a:srgbClr val="0070C0"/>
+                  </a:solidFill>
+                </a:rPr>
+                <a:t>requests </a:t>
+              </a:r>
+              <a:r>
+                <a:rPr lang="en-US" sz="1100" dirty="0" err="1">
+                  <a:solidFill>
+                    <a:srgbClr val="0070C0"/>
+                  </a:solidFill>
+                </a:rPr>
+                <a:t>xp</a:t>
+              </a:r>
+              <a:r>
+                <a:rPr lang="en-US" sz="1100" dirty="0">
+                  <a:solidFill>
+                    <a:srgbClr val="0070C0"/>
+                  </a:solidFill>
+                </a:rPr>
+                <a:t> </a:t>
+              </a:r>
+              <a:endParaRPr lang="en-SG" sz="1100" dirty="0">
+                <a:solidFill>
+                  <a:srgbClr val="0070C0"/>
+                </a:solidFill>
+              </a:endParaRPr>
+            </a:p>
+          </p:txBody>
+        </p:sp>
+        <p:sp>
+          <p:nvSpPr>
+            <p:cNvPr id="100" name="Isosceles Triangle 99">
+              <a:extLst>
+                <a:ext uri="{FF2B5EF4-FFF2-40B4-BE49-F238E27FC236}">
+                  <a16:creationId xmlns:a16="http://schemas.microsoft.com/office/drawing/2014/main" id="{7D465841-940B-4D21-8160-41E0D1BC618D}"/>
+                </a:ext>
+              </a:extLst>
+            </p:cNvPr>
+            <p:cNvSpPr/>
+            <p:nvPr/>
+          </p:nvSpPr>
+          <p:spPr>
+            <a:xfrm rot="5400000">
+              <a:off x="3786071" y="845018"/>
+              <a:ext cx="125951" cy="76201"/>
+            </a:xfrm>
+            <a:prstGeom prst="triangle">
+              <a:avLst/>
+            </a:prstGeom>
+            <a:solidFill>
+              <a:srgbClr val="0070C0"/>
+            </a:solidFill>
+            <a:ln>
+              <a:noFill/>
+            </a:ln>
+          </p:spPr>
+          <p:style>
+            <a:lnRef idx="2">
+              <a:schemeClr val="accent1">
+                <a:shade val="50000"/>
+              </a:schemeClr>
+            </a:lnRef>
+            <a:fillRef idx="1">
+              <a:schemeClr val="accent1"/>
+            </a:fillRef>
+            <a:effectRef idx="0">
+              <a:schemeClr val="accent1"/>
+            </a:effectRef>
+            <a:fontRef idx="minor">
+              <a:schemeClr val="lt1"/>
+            </a:fontRef>
+          </p:style>
+          <p:txBody>
+            <a:bodyPr rtlCol="0" anchor="ctr"/>
+            <a:lstStyle/>
+            <a:p>
+              <a:pPr algn="ctr"/>
+              <a:endParaRPr lang="en-SG"/>
+            </a:p>
+          </p:txBody>
+        </p:sp>
+      </p:grpSp>
     </p:spTree>
     <p:extLst>
       <p:ext uri="{BB962C8B-B14F-4D97-AF65-F5344CB8AC3E}">

--- a/docs/diagrams/GameManagerClassDiagram.pptx
+++ b/docs/diagrams/GameManagerClassDiagram.pptx
@@ -3450,8 +3450,8 @@
         </p:nvSpPr>
         <p:spPr>
           <a:xfrm>
-            <a:off x="1636098" y="4611190"/>
-            <a:ext cx="6303221" cy="1513215"/>
+            <a:off x="1148308" y="4611190"/>
+            <a:ext cx="6791012" cy="1513215"/>
           </a:xfrm>
           <a:prstGeom prst="roundRect">
             <a:avLst>
